--- a/#Assets (Raw)/Presentations/Presentation02.pptx
+++ b/#Assets (Raw)/Presentations/Presentation02.pptx
@@ -3411,8 +3411,8 @@
         </p:blipFill>
         <p:spPr>
           <a:xfrm>
-            <a:off x="-377505" y="-615673"/>
-            <a:ext cx="5943600" cy="2886075"/>
+            <a:off x="-144747" y="-189290"/>
+            <a:ext cx="3619467" cy="1757529"/>
           </a:xfrm>
           <a:prstGeom prst="rect">
             <a:avLst/>
@@ -3641,7 +3641,7 @@
               <a:rPr lang="pt-PT" smtClean="0"/>
               <a:t>2</a:t>
             </a:fld>
-            <a:endParaRPr lang="pt-PT"/>
+            <a:endParaRPr lang="pt-PT" dirty="0"/>
           </a:p>
         </p:txBody>
       </p:sp>
@@ -3735,7 +3735,7 @@
 </file>
 
 <file path=ppt/slides/slide3.xml><?xml version="1.0" encoding="utf-8"?>
-<p:sld xmlns:a="http://schemas.openxmlformats.org/drawingml/2006/main" xmlns:r="http://schemas.openxmlformats.org/officeDocument/2006/relationships" xmlns:p="http://schemas.openxmlformats.org/presentationml/2006/main">
+<p:sld xmlns:a="http://schemas.openxmlformats.org/drawingml/2006/main" xmlns:r="http://schemas.openxmlformats.org/officeDocument/2006/relationships" xmlns:p="http://schemas.openxmlformats.org/presentationml/2006/main" show="0">
   <p:cSld>
     <p:spTree>
       <p:nvGrpSpPr>
@@ -3909,7 +3909,7 @@
             <a:lstStyle/>
             <a:p>
               <a:pPr algn="ctr"/>
-              <a:endParaRPr lang="pt-PT" sz="1350"/>
+              <a:endParaRPr lang="pt-PT" sz="1350" dirty="0"/>
             </a:p>
           </p:txBody>
         </p:sp>
@@ -4046,7 +4046,7 @@
             <a:lstStyle/>
             <a:p>
               <a:pPr algn="ctr"/>
-              <a:endParaRPr lang="pt-PT" sz="1350"/>
+              <a:endParaRPr lang="pt-PT" sz="1350" dirty="0"/>
             </a:p>
           </p:txBody>
         </p:sp>
@@ -4197,7 +4197,7 @@
               <a:rPr lang="pt-PT" smtClean="0"/>
               <a:t>3</a:t>
             </a:fld>
-            <a:endParaRPr lang="pt-PT"/>
+            <a:endParaRPr lang="pt-PT" dirty="0"/>
           </a:p>
         </p:txBody>
       </p:sp>
@@ -4314,7 +4314,7 @@
           <a:lstStyle/>
           <a:p>
             <a:pPr algn="ctr"/>
-            <a:endParaRPr lang="pt-PT" sz="1350"/>
+            <a:endParaRPr lang="pt-PT" sz="1350" dirty="0"/>
           </a:p>
         </p:txBody>
       </p:sp>
@@ -4417,7 +4417,7 @@
               <a:rPr lang="pt-PT" smtClean="0"/>
               <a:t>4</a:t>
             </a:fld>
-            <a:endParaRPr lang="pt-PT"/>
+            <a:endParaRPr lang="pt-PT" dirty="0"/>
           </a:p>
         </p:txBody>
       </p:sp>
@@ -5037,7 +5037,7 @@
           <a:p>
             <a:r>
               <a:rPr lang="pt-PT" sz="1200" dirty="0"/>
-              <a:t>Estas funcionalidades foram:</a:t>
+              <a:t>Funcionalidades por implementar:</a:t>
             </a:r>
           </a:p>
         </p:txBody>
@@ -5067,7 +5067,7 @@
               <a:rPr lang="pt-PT" smtClean="0"/>
               <a:t>6</a:t>
             </a:fld>
-            <a:endParaRPr lang="pt-PT"/>
+            <a:endParaRPr lang="pt-PT" dirty="0"/>
           </a:p>
         </p:txBody>
       </p:sp>
